--- a/ZipVolokSoftPP.pptx
+++ b/ZipVolokSoftPP.pptx
@@ -4483,7 +4483,7 @@
           <a:p>
             <a:r>
               <a:rPr lang="ru-RU" dirty="0" smtClean="0"/>
-              <a:t>Требования</a:t>
+              <a:t>Сама суть</a:t>
             </a:r>
             <a:endParaRPr lang="ru-RU" dirty="0"/>
           </a:p>
@@ -4505,37 +4505,73 @@
           <a:lstStyle/>
           <a:p>
             <a:r>
-              <a:rPr lang="ru-RU" b="1" dirty="0"/>
-              <a:t>Приложение должно быть:</a:t>
+              <a:rPr lang="ru-RU" b="1" dirty="0" smtClean="0"/>
+              <a:t>Приложение написано на</a:t>
+            </a:r>
+            <a:r>
+              <a:rPr lang="en-US" b="1" dirty="0" smtClean="0"/>
+              <a:t> C#</a:t>
             </a:r>
             <a:endParaRPr lang="ru-RU" dirty="0"/>
           </a:p>
           <a:p>
             <a:pPr lvl="0"/>
             <a:r>
-              <a:rPr lang="ru-RU" dirty="0"/>
-              <a:t>Простым и удобным для использования.</a:t>
+              <a:rPr lang="ru-RU" dirty="0" smtClean="0"/>
+              <a:t>Конвертация для РЕД ОС выполнена с помощью плагина </a:t>
+            </a:r>
+            <a:r>
+              <a:rPr lang="en-US" dirty="0" smtClean="0"/>
+              <a:t>WINE</a:t>
             </a:r>
           </a:p>
           <a:p>
             <a:pPr lvl="0"/>
             <a:r>
-              <a:rPr lang="ru-RU" dirty="0"/>
-              <a:t>Совместимым с особенностями РЕД ОС.</a:t>
-            </a:r>
-          </a:p>
-          <a:p>
-            <a:pPr lvl="0"/>
-            <a:r>
-              <a:rPr lang="ru-RU" dirty="0"/>
-              <a:t>Легким, производительным и функциональным.</a:t>
-            </a:r>
+              <a:rPr lang="ru-RU" dirty="0" smtClean="0"/>
+              <a:t>Отслеживание шло с </a:t>
+            </a:r>
+            <a:r>
+              <a:rPr lang="en-US" dirty="0" smtClean="0"/>
+              <a:t>GitHub</a:t>
+            </a:r>
+            <a:endParaRPr lang="en-US" dirty="0" smtClean="0"/>
           </a:p>
           <a:p>
             <a:endParaRPr lang="ru-RU" dirty="0"/>
           </a:p>
         </p:txBody>
       </p:sp>
+      <p:pic>
+        <p:nvPicPr>
+          <p:cNvPr id="4" name="Рисунок 3"/>
+          <p:cNvPicPr>
+            <a:picLocks noChangeAspect="1"/>
+          </p:cNvPicPr>
+          <p:nvPr/>
+        </p:nvPicPr>
+        <p:blipFill>
+          <a:blip r:embed="rId2">
+            <a:extLst>
+              <a:ext uri="{28A0092B-C50C-407E-A947-70E740481C1C}">
+                <a14:useLocalDpi xmlns:a14="http://schemas.microsoft.com/office/drawing/2010/main" val="0"/>
+              </a:ext>
+            </a:extLst>
+          </a:blip>
+          <a:stretch>
+            <a:fillRect/>
+          </a:stretch>
+        </p:blipFill>
+        <p:spPr>
+          <a:xfrm>
+            <a:off x="1259632" y="4365104"/>
+            <a:ext cx="3657600" cy="1828800"/>
+          </a:xfrm>
+          <a:prstGeom prst="rect">
+            <a:avLst/>
+          </a:prstGeom>
+        </p:spPr>
+      </p:pic>
     </p:spTree>
     <p:extLst>
       <p:ext uri="{BB962C8B-B14F-4D97-AF65-F5344CB8AC3E}">
